--- a/documentation/Bitirme Çalışması - Sunum.pptx
+++ b/documentation/Bitirme Çalışması - Sunum.pptx
@@ -5,13 +5,14 @@
     <p:sldMasterId id="2147483694" r:id="rId1"/>
   </p:sldMasterIdLst>
   <p:sldIdLst>
-    <p:sldId id="256" r:id="rId2"/>
-    <p:sldId id="257" r:id="rId3"/>
-    <p:sldId id="258" r:id="rId4"/>
-    <p:sldId id="259" r:id="rId5"/>
-    <p:sldId id="260" r:id="rId6"/>
-    <p:sldId id="261" r:id="rId7"/>
-    <p:sldId id="262" r:id="rId8"/>
+    <p:sldId id="257" r:id="rId2"/>
+    <p:sldId id="258" r:id="rId3"/>
+    <p:sldId id="259" r:id="rId4"/>
+    <p:sldId id="260" r:id="rId5"/>
+    <p:sldId id="261" r:id="rId6"/>
+    <p:sldId id="263" r:id="rId7"/>
+    <p:sldId id="264" r:id="rId8"/>
+    <p:sldId id="262" r:id="rId9"/>
   </p:sldIdLst>
   <p:sldSz cx="12192000" cy="6858000"/>
   <p:notesSz cx="6858000" cy="9144000"/>
@@ -110,6 +111,11 @@
       </a:defRPr>
     </a:lvl9pPr>
   </p:defaultTextStyle>
+  <p:extLst>
+    <p:ext uri="{EFAFB233-063F-42B5-8137-9DF3F51BA10A}">
+      <p15:sldGuideLst xmlns:p15="http://schemas.microsoft.com/office/powerpoint/2012/main"/>
+    </p:ext>
+  </p:extLst>
 </p:presentation>
 </file>
 
@@ -155,7 +161,7 @@
           </a:lstStyle>
           <a:p>
             <a:r>
-              <a:rPr lang="en-US" dirty="0" smtClean="0"/>
+              <a:rPr lang="en-US" dirty="0"/>
               <a:t>Click to edit Master title style</a:t>
             </a:r>
             <a:endParaRPr lang="tr-TR" dirty="0"/>
@@ -220,7 +226,7 @@
           </a:lstStyle>
           <a:p>
             <a:r>
-              <a:rPr lang="en-US" smtClean="0"/>
+              <a:rPr lang="en-US"/>
               <a:t>Click to edit Master subtitle style</a:t>
             </a:r>
             <a:endParaRPr lang="tr-TR"/>
@@ -273,7 +279,7 @@
           <a:lstStyle/>
           <a:p>
             <a:r>
-              <a:rPr lang="en-US" smtClean="0"/>
+              <a:rPr lang="en-US"/>
               <a:t>Click to edit Master title style</a:t>
             </a:r>
             <a:endParaRPr lang="tr-TR"/>
@@ -297,35 +303,35 @@
           <a:p>
             <a:pPr lvl="0"/>
             <a:r>
-              <a:rPr lang="en-US" smtClean="0"/>
+              <a:rPr lang="en-US"/>
               <a:t>Click to edit Master text styles</a:t>
             </a:r>
           </a:p>
           <a:p>
             <a:pPr lvl="1"/>
             <a:r>
-              <a:rPr lang="en-US" smtClean="0"/>
+              <a:rPr lang="en-US"/>
               <a:t>Second level</a:t>
             </a:r>
           </a:p>
           <a:p>
             <a:pPr lvl="2"/>
             <a:r>
-              <a:rPr lang="en-US" smtClean="0"/>
+              <a:rPr lang="en-US"/>
               <a:t>Third level</a:t>
             </a:r>
           </a:p>
           <a:p>
             <a:pPr lvl="3"/>
             <a:r>
-              <a:rPr lang="en-US" smtClean="0"/>
+              <a:rPr lang="en-US"/>
               <a:t>Fourth level</a:t>
             </a:r>
           </a:p>
           <a:p>
             <a:pPr lvl="4"/>
             <a:r>
-              <a:rPr lang="en-US" smtClean="0"/>
+              <a:rPr lang="en-US"/>
               <a:t>Fifth level</a:t>
             </a:r>
             <a:endParaRPr lang="tr-TR"/>
@@ -383,7 +389,7 @@
           <a:lstStyle/>
           <a:p>
             <a:r>
-              <a:rPr lang="en-US" smtClean="0"/>
+              <a:rPr lang="en-US"/>
               <a:t>Click to edit Master title style</a:t>
             </a:r>
             <a:endParaRPr lang="tr-TR"/>
@@ -412,35 +418,35 @@
           <a:p>
             <a:pPr lvl="0"/>
             <a:r>
-              <a:rPr lang="en-US" smtClean="0"/>
+              <a:rPr lang="en-US"/>
               <a:t>Click to edit Master text styles</a:t>
             </a:r>
           </a:p>
           <a:p>
             <a:pPr lvl="1"/>
             <a:r>
-              <a:rPr lang="en-US" smtClean="0"/>
+              <a:rPr lang="en-US"/>
               <a:t>Second level</a:t>
             </a:r>
           </a:p>
           <a:p>
             <a:pPr lvl="2"/>
             <a:r>
-              <a:rPr lang="en-US" smtClean="0"/>
+              <a:rPr lang="en-US"/>
               <a:t>Third level</a:t>
             </a:r>
           </a:p>
           <a:p>
             <a:pPr lvl="3"/>
             <a:r>
-              <a:rPr lang="en-US" smtClean="0"/>
+              <a:rPr lang="en-US"/>
               <a:t>Fourth level</a:t>
             </a:r>
           </a:p>
           <a:p>
             <a:pPr lvl="4"/>
             <a:r>
-              <a:rPr lang="en-US" smtClean="0"/>
+              <a:rPr lang="en-US"/>
               <a:t>Fifth level</a:t>
             </a:r>
             <a:endParaRPr lang="tr-TR"/>
@@ -493,7 +499,7 @@
           <a:lstStyle/>
           <a:p>
             <a:r>
-              <a:rPr lang="en-US" smtClean="0"/>
+              <a:rPr lang="en-US"/>
               <a:t>Click to edit Master title style</a:t>
             </a:r>
             <a:endParaRPr lang="tr-TR"/>
@@ -517,35 +523,35 @@
           <a:p>
             <a:pPr lvl="0"/>
             <a:r>
-              <a:rPr lang="en-US" smtClean="0"/>
+              <a:rPr lang="en-US"/>
               <a:t>Click to edit Master text styles</a:t>
             </a:r>
           </a:p>
           <a:p>
             <a:pPr lvl="1"/>
             <a:r>
-              <a:rPr lang="en-US" smtClean="0"/>
+              <a:rPr lang="en-US"/>
               <a:t>Second level</a:t>
             </a:r>
           </a:p>
           <a:p>
             <a:pPr lvl="2"/>
             <a:r>
-              <a:rPr lang="en-US" smtClean="0"/>
+              <a:rPr lang="en-US"/>
               <a:t>Third level</a:t>
             </a:r>
           </a:p>
           <a:p>
             <a:pPr lvl="3"/>
             <a:r>
-              <a:rPr lang="en-US" smtClean="0"/>
+              <a:rPr lang="en-US"/>
               <a:t>Fourth level</a:t>
             </a:r>
           </a:p>
           <a:p>
             <a:pPr lvl="4"/>
             <a:r>
-              <a:rPr lang="en-US" smtClean="0"/>
+              <a:rPr lang="en-US"/>
               <a:t>Fifth level</a:t>
             </a:r>
             <a:endParaRPr lang="tr-TR"/>
@@ -607,7 +613,7 @@
           </a:lstStyle>
           <a:p>
             <a:r>
-              <a:rPr lang="en-US" smtClean="0"/>
+              <a:rPr lang="en-US"/>
               <a:t>Click to edit Master title style</a:t>
             </a:r>
             <a:endParaRPr lang="tr-TR"/>
@@ -727,7 +733,7 @@
           <a:p>
             <a:pPr lvl="0"/>
             <a:r>
-              <a:rPr lang="en-US" smtClean="0"/>
+              <a:rPr lang="en-US"/>
               <a:t>Click to edit Master text styles</a:t>
             </a:r>
           </a:p>
@@ -779,7 +785,7 @@
           <a:lstStyle/>
           <a:p>
             <a:r>
-              <a:rPr lang="en-US" smtClean="0"/>
+              <a:rPr lang="en-US"/>
               <a:t>Click to edit Master title style</a:t>
             </a:r>
             <a:endParaRPr lang="tr-TR"/>
@@ -808,35 +814,35 @@
           <a:p>
             <a:pPr lvl="0"/>
             <a:r>
-              <a:rPr lang="en-US" smtClean="0"/>
+              <a:rPr lang="en-US"/>
               <a:t>Click to edit Master text styles</a:t>
             </a:r>
           </a:p>
           <a:p>
             <a:pPr lvl="1"/>
             <a:r>
-              <a:rPr lang="en-US" smtClean="0"/>
+              <a:rPr lang="en-US"/>
               <a:t>Second level</a:t>
             </a:r>
           </a:p>
           <a:p>
             <a:pPr lvl="2"/>
             <a:r>
-              <a:rPr lang="en-US" smtClean="0"/>
+              <a:rPr lang="en-US"/>
               <a:t>Third level</a:t>
             </a:r>
           </a:p>
           <a:p>
             <a:pPr lvl="3"/>
             <a:r>
-              <a:rPr lang="en-US" smtClean="0"/>
+              <a:rPr lang="en-US"/>
               <a:t>Fourth level</a:t>
             </a:r>
           </a:p>
           <a:p>
             <a:pPr lvl="4"/>
             <a:r>
-              <a:rPr lang="en-US" smtClean="0"/>
+              <a:rPr lang="en-US"/>
               <a:t>Fifth level</a:t>
             </a:r>
             <a:endParaRPr lang="tr-TR"/>
@@ -865,35 +871,35 @@
           <a:p>
             <a:pPr lvl="0"/>
             <a:r>
-              <a:rPr lang="en-US" smtClean="0"/>
+              <a:rPr lang="en-US"/>
               <a:t>Click to edit Master text styles</a:t>
             </a:r>
           </a:p>
           <a:p>
             <a:pPr lvl="1"/>
             <a:r>
-              <a:rPr lang="en-US" smtClean="0"/>
+              <a:rPr lang="en-US"/>
               <a:t>Second level</a:t>
             </a:r>
           </a:p>
           <a:p>
             <a:pPr lvl="2"/>
             <a:r>
-              <a:rPr lang="en-US" smtClean="0"/>
+              <a:rPr lang="en-US"/>
               <a:t>Third level</a:t>
             </a:r>
           </a:p>
           <a:p>
             <a:pPr lvl="3"/>
             <a:r>
-              <a:rPr lang="en-US" smtClean="0"/>
+              <a:rPr lang="en-US"/>
               <a:t>Fourth level</a:t>
             </a:r>
           </a:p>
           <a:p>
             <a:pPr lvl="4"/>
             <a:r>
-              <a:rPr lang="en-US" smtClean="0"/>
+              <a:rPr lang="en-US"/>
               <a:t>Fifth level</a:t>
             </a:r>
             <a:endParaRPr lang="tr-TR"/>
@@ -951,7 +957,7 @@
           <a:lstStyle/>
           <a:p>
             <a:r>
-              <a:rPr lang="en-US" smtClean="0"/>
+              <a:rPr lang="en-US"/>
               <a:t>Click to edit Master title style</a:t>
             </a:r>
             <a:endParaRPr lang="tr-TR"/>
@@ -1017,7 +1023,7 @@
           <a:p>
             <a:pPr lvl="0"/>
             <a:r>
-              <a:rPr lang="en-US" smtClean="0"/>
+              <a:rPr lang="en-US"/>
               <a:t>Click to edit Master text styles</a:t>
             </a:r>
           </a:p>
@@ -1045,35 +1051,35 @@
           <a:p>
             <a:pPr lvl="0"/>
             <a:r>
-              <a:rPr lang="en-US" smtClean="0"/>
+              <a:rPr lang="en-US"/>
               <a:t>Click to edit Master text styles</a:t>
             </a:r>
           </a:p>
           <a:p>
             <a:pPr lvl="1"/>
             <a:r>
-              <a:rPr lang="en-US" smtClean="0"/>
+              <a:rPr lang="en-US"/>
               <a:t>Second level</a:t>
             </a:r>
           </a:p>
           <a:p>
             <a:pPr lvl="2"/>
             <a:r>
-              <a:rPr lang="en-US" smtClean="0"/>
+              <a:rPr lang="en-US"/>
               <a:t>Third level</a:t>
             </a:r>
           </a:p>
           <a:p>
             <a:pPr lvl="3"/>
             <a:r>
-              <a:rPr lang="en-US" smtClean="0"/>
+              <a:rPr lang="en-US"/>
               <a:t>Fourth level</a:t>
             </a:r>
           </a:p>
           <a:p>
             <a:pPr lvl="4"/>
             <a:r>
-              <a:rPr lang="en-US" smtClean="0"/>
+              <a:rPr lang="en-US"/>
               <a:t>Fifth level</a:t>
             </a:r>
             <a:endParaRPr lang="tr-TR"/>
@@ -1139,7 +1145,7 @@
           <a:p>
             <a:pPr lvl="0"/>
             <a:r>
-              <a:rPr lang="en-US" smtClean="0"/>
+              <a:rPr lang="en-US"/>
               <a:t>Click to edit Master text styles</a:t>
             </a:r>
           </a:p>
@@ -1167,35 +1173,35 @@
           <a:p>
             <a:pPr lvl="0"/>
             <a:r>
-              <a:rPr lang="en-US" smtClean="0"/>
+              <a:rPr lang="en-US"/>
               <a:t>Click to edit Master text styles</a:t>
             </a:r>
           </a:p>
           <a:p>
             <a:pPr lvl="1"/>
             <a:r>
-              <a:rPr lang="en-US" smtClean="0"/>
+              <a:rPr lang="en-US"/>
               <a:t>Second level</a:t>
             </a:r>
           </a:p>
           <a:p>
             <a:pPr lvl="2"/>
             <a:r>
-              <a:rPr lang="en-US" smtClean="0"/>
+              <a:rPr lang="en-US"/>
               <a:t>Third level</a:t>
             </a:r>
           </a:p>
           <a:p>
             <a:pPr lvl="3"/>
             <a:r>
-              <a:rPr lang="en-US" smtClean="0"/>
+              <a:rPr lang="en-US"/>
               <a:t>Fourth level</a:t>
             </a:r>
           </a:p>
           <a:p>
             <a:pPr lvl="4"/>
             <a:r>
-              <a:rPr lang="en-US" smtClean="0"/>
+              <a:rPr lang="en-US"/>
               <a:t>Fifth level</a:t>
             </a:r>
             <a:endParaRPr lang="tr-TR"/>
@@ -1248,7 +1254,7 @@
           <a:lstStyle/>
           <a:p>
             <a:r>
-              <a:rPr lang="en-US" smtClean="0"/>
+              <a:rPr lang="en-US"/>
               <a:t>Click to edit Master title style</a:t>
             </a:r>
             <a:endParaRPr lang="tr-TR"/>
@@ -1340,7 +1346,7 @@
           </a:lstStyle>
           <a:p>
             <a:r>
-              <a:rPr lang="en-US" smtClean="0"/>
+              <a:rPr lang="en-US"/>
               <a:t>Click to edit Master title style</a:t>
             </a:r>
             <a:endParaRPr lang="tr-TR"/>
@@ -1397,35 +1403,35 @@
           <a:p>
             <a:pPr lvl="0"/>
             <a:r>
-              <a:rPr lang="en-US" smtClean="0"/>
+              <a:rPr lang="en-US"/>
               <a:t>Click to edit Master text styles</a:t>
             </a:r>
           </a:p>
           <a:p>
             <a:pPr lvl="1"/>
             <a:r>
-              <a:rPr lang="en-US" smtClean="0"/>
+              <a:rPr lang="en-US"/>
               <a:t>Second level</a:t>
             </a:r>
           </a:p>
           <a:p>
             <a:pPr lvl="2"/>
             <a:r>
-              <a:rPr lang="en-US" smtClean="0"/>
+              <a:rPr lang="en-US"/>
               <a:t>Third level</a:t>
             </a:r>
           </a:p>
           <a:p>
             <a:pPr lvl="3"/>
             <a:r>
-              <a:rPr lang="en-US" smtClean="0"/>
+              <a:rPr lang="en-US"/>
               <a:t>Fourth level</a:t>
             </a:r>
           </a:p>
           <a:p>
             <a:pPr lvl="4"/>
             <a:r>
-              <a:rPr lang="en-US" smtClean="0"/>
+              <a:rPr lang="en-US"/>
               <a:t>Fifth level</a:t>
             </a:r>
             <a:endParaRPr lang="tr-TR"/>
@@ -1491,7 +1497,7 @@
           <a:p>
             <a:pPr lvl="0"/>
             <a:r>
-              <a:rPr lang="en-US" smtClean="0"/>
+              <a:rPr lang="en-US"/>
               <a:t>Click to edit Master text styles</a:t>
             </a:r>
           </a:p>
@@ -1552,7 +1558,7 @@
           </a:lstStyle>
           <a:p>
             <a:r>
-              <a:rPr lang="en-US" smtClean="0"/>
+              <a:rPr lang="en-US"/>
               <a:t>Click to edit Master title style</a:t>
             </a:r>
             <a:endParaRPr lang="tr-TR"/>
@@ -1679,7 +1685,7 @@
           <a:p>
             <a:pPr lvl="0"/>
             <a:r>
-              <a:rPr lang="en-US" smtClean="0"/>
+              <a:rPr lang="en-US"/>
               <a:t>Click to edit Master text styles</a:t>
             </a:r>
           </a:p>
@@ -1746,7 +1752,7 @@
           <a:lstStyle/>
           <a:p>
             <a:r>
-              <a:rPr lang="en-US" dirty="0" smtClean="0"/>
+              <a:rPr lang="en-US" dirty="0"/>
               <a:t>Click to edit Master title style</a:t>
             </a:r>
             <a:endParaRPr lang="tr-TR" dirty="0"/>
@@ -1780,35 +1786,35 @@
           <a:p>
             <a:pPr lvl="0"/>
             <a:r>
-              <a:rPr lang="en-US" dirty="0" smtClean="0"/>
+              <a:rPr lang="en-US" dirty="0"/>
               <a:t>Click to edit Master text styles</a:t>
             </a:r>
           </a:p>
           <a:p>
             <a:pPr lvl="1"/>
             <a:r>
-              <a:rPr lang="en-US" dirty="0" smtClean="0"/>
+              <a:rPr lang="en-US" dirty="0"/>
               <a:t>Second level</a:t>
             </a:r>
           </a:p>
           <a:p>
             <a:pPr lvl="2"/>
             <a:r>
-              <a:rPr lang="en-US" dirty="0" smtClean="0"/>
+              <a:rPr lang="en-US" dirty="0"/>
               <a:t>Third level</a:t>
             </a:r>
           </a:p>
           <a:p>
             <a:pPr lvl="3"/>
             <a:r>
-              <a:rPr lang="en-US" dirty="0" smtClean="0"/>
+              <a:rPr lang="en-US" dirty="0"/>
               <a:t>Fourth level</a:t>
             </a:r>
           </a:p>
           <a:p>
             <a:pPr lvl="4"/>
             <a:r>
-              <a:rPr lang="en-US" dirty="0" smtClean="0"/>
+              <a:rPr lang="en-US" dirty="0"/>
               <a:t>Fifth level</a:t>
             </a:r>
             <a:endParaRPr lang="tr-TR" dirty="0"/>
@@ -1881,11 +1887,11 @@
           <a:p>
             <a:pPr algn="l"/>
             <a:r>
-              <a:rPr lang="tr-TR" sz="1200" dirty="0" smtClean="0"/>
+              <a:rPr lang="tr-TR" sz="1200" dirty="0"/>
               <a:t>Bursa</a:t>
             </a:r>
             <a:r>
-              <a:rPr lang="tr-TR" sz="1200" baseline="0" dirty="0" smtClean="0"/>
+              <a:rPr lang="tr-TR" sz="1200" baseline="0" dirty="0"/>
               <a:t> Teknik Üniversitesi                                                </a:t>
             </a:r>
             <a:endParaRPr lang="tr-TR" sz="1200" dirty="0"/>
@@ -1936,10 +1942,9 @@
           <a:p>
             <a:pPr algn="r"/>
             <a:r>
-              <a:rPr lang="tr-TR" sz="1200" dirty="0" smtClean="0"/>
+              <a:rPr lang="tr-TR" sz="1200" dirty="0"/>
               <a:t>Bilgisayar Mühendisliği Bölümü</a:t>
             </a:r>
-            <a:endParaRPr lang="tr-TR" sz="1200" dirty="0"/>
           </a:p>
         </p:txBody>
       </p:sp>
@@ -2266,12 +2271,36 @@
       </p:grpSpPr>
       <p:sp>
         <p:nvSpPr>
-          <p:cNvPr id="6" name="Title 5"/>
+          <p:cNvPr id="2" name="Title 1"/>
           <p:cNvSpPr>
             <a:spLocks noGrp="1"/>
           </p:cNvSpPr>
           <p:nvPr>
             <p:ph type="title"/>
+          </p:nvPr>
+        </p:nvSpPr>
+        <p:spPr/>
+        <p:txBody>
+          <a:bodyPr>
+            <a:normAutofit/>
+          </a:bodyPr>
+          <a:lstStyle/>
+          <a:p>
+            <a:r>
+              <a:rPr lang="tr-TR" sz="5400" dirty="0"/>
+              <a:t>Akıllı Oda Sistemi</a:t>
+            </a:r>
+          </a:p>
+        </p:txBody>
+      </p:sp>
+      <p:sp>
+        <p:nvSpPr>
+          <p:cNvPr id="3" name="Text Placeholder 2"/>
+          <p:cNvSpPr>
+            <a:spLocks noGrp="1"/>
+          </p:cNvSpPr>
+          <p:nvPr>
+            <p:ph type="body" idx="1"/>
           </p:nvPr>
         </p:nvSpPr>
         <p:spPr/>
@@ -2280,52 +2309,33 @@
           <a:lstStyle/>
           <a:p>
             <a:r>
-              <a:rPr lang="tr-TR" dirty="0" smtClean="0"/>
-              <a:t>Bitirme Çalışması Başlığı</a:t>
+              <a:rPr lang="tr-TR" dirty="0"/>
+              <a:t>Selçuk ŞAN</a:t>
+            </a:r>
+          </a:p>
+          <a:p>
+            <a:r>
+              <a:rPr lang="tr-TR" dirty="0"/>
+              <a:t>Danışman: </a:t>
+            </a:r>
+            <a:r>
+              <a:rPr lang="fi-FI" dirty="0"/>
+              <a:t>Dr. Öğr. Üyesi Volkan ALTUNTAŞ</a:t>
             </a:r>
             <a:endParaRPr lang="tr-TR" dirty="0"/>
           </a:p>
-        </p:txBody>
-      </p:sp>
-      <p:sp>
-        <p:nvSpPr>
-          <p:cNvPr id="7" name="Text Placeholder 6"/>
-          <p:cNvSpPr>
-            <a:spLocks noGrp="1"/>
-          </p:cNvSpPr>
-          <p:nvPr>
-            <p:ph type="body" idx="1"/>
-          </p:nvPr>
-        </p:nvSpPr>
-        <p:spPr/>
-        <p:txBody>
-          <a:bodyPr/>
-          <a:lstStyle/>
-          <a:p>
-            <a:r>
-              <a:rPr lang="tr-TR" dirty="0" smtClean="0"/>
-              <a:t>Öğrenci Adı ve Soyadı</a:t>
-            </a:r>
-          </a:p>
-          <a:p>
-            <a:r>
-              <a:rPr lang="tr-TR" dirty="0" smtClean="0"/>
-              <a:t>Danışman Adı ve Soyadı</a:t>
-            </a:r>
-          </a:p>
-          <a:p>
-            <a:r>
-              <a:rPr lang="tr-TR" dirty="0" smtClean="0"/>
-              <a:t>Bitirme Projesi Teslim Dönemi ve Yılı</a:t>
-            </a:r>
-            <a:endParaRPr lang="tr-TR" dirty="0"/>
+          <a:p>
+            <a:r>
+              <a:rPr lang="tr-TR" dirty="0"/>
+              <a:t>Bahar 2023</a:t>
+            </a:r>
           </a:p>
         </p:txBody>
       </p:sp>
     </p:spTree>
     <p:extLst>
       <p:ext uri="{BB962C8B-B14F-4D97-AF65-F5344CB8AC3E}">
-        <p14:creationId xmlns:p14="http://schemas.microsoft.com/office/powerpoint/2010/main" val="1222065530"/>
+        <p14:creationId xmlns:p14="http://schemas.microsoft.com/office/powerpoint/2010/main" val="4098131931"/>
       </p:ext>
     </p:extLst>
   </p:cSld>
@@ -2354,7 +2364,7 @@
       </p:grpSpPr>
       <p:sp>
         <p:nvSpPr>
-          <p:cNvPr id="2" name="Title 1"/>
+          <p:cNvPr id="4" name="Title 3"/>
           <p:cNvSpPr>
             <a:spLocks noGrp="1"/>
           </p:cNvSpPr>
@@ -2362,7 +2372,12 @@
             <p:ph type="title"/>
           </p:nvPr>
         </p:nvSpPr>
-        <p:spPr/>
+        <p:spPr>
+          <a:xfrm>
+            <a:off x="838200" y="349083"/>
+            <a:ext cx="10515600" cy="1325563"/>
+          </a:xfrm>
+        </p:spPr>
         <p:txBody>
           <a:bodyPr>
             <a:normAutofit/>
@@ -2370,52 +2385,83 @@
           <a:lstStyle/>
           <a:p>
             <a:r>
-              <a:rPr lang="tr-TR" sz="5400" dirty="0" smtClean="0"/>
-              <a:t>Etkinlik takvimine göre kullanıcılara etkinlik öneren bir mobil internet uygulaması</a:t>
-            </a:r>
-            <a:endParaRPr lang="tr-TR" sz="5400" dirty="0"/>
-          </a:p>
-        </p:txBody>
-      </p:sp>
-      <p:sp>
-        <p:nvSpPr>
-          <p:cNvPr id="3" name="Text Placeholder 2"/>
-          <p:cNvSpPr>
-            <a:spLocks noGrp="1"/>
-          </p:cNvSpPr>
-          <p:nvPr>
-            <p:ph type="body" idx="1"/>
-          </p:nvPr>
-        </p:nvSpPr>
-        <p:spPr/>
-        <p:txBody>
-          <a:bodyPr/>
+              <a:rPr lang="tr-TR" dirty="0"/>
+              <a:t>Bitirme Çalışması Sunum İçeriği </a:t>
+            </a:r>
+          </a:p>
+        </p:txBody>
+      </p:sp>
+      <p:sp>
+        <p:nvSpPr>
+          <p:cNvPr id="5" name="Content Placeholder 4"/>
+          <p:cNvSpPr>
+            <a:spLocks noGrp="1"/>
+          </p:cNvSpPr>
+          <p:nvPr>
+            <p:ph idx="1"/>
+          </p:nvPr>
+        </p:nvSpPr>
+        <p:spPr>
+          <a:xfrm>
+            <a:off x="838200" y="2053389"/>
+            <a:ext cx="10515600" cy="4173598"/>
+          </a:xfrm>
+        </p:spPr>
+        <p:txBody>
+          <a:bodyPr>
+            <a:normAutofit/>
+          </a:bodyPr>
           <a:lstStyle/>
           <a:p>
-            <a:r>
-              <a:rPr lang="tr-TR" dirty="0" smtClean="0"/>
-              <a:t>Mert Cellal Aydın</a:t>
-            </a:r>
-          </a:p>
-          <a:p>
-            <a:r>
-              <a:rPr lang="tr-TR" dirty="0" smtClean="0"/>
-              <a:t>Danışman: Prof. Dr. Cemal Günpek</a:t>
-            </a:r>
-          </a:p>
-          <a:p>
-            <a:r>
-              <a:rPr lang="tr-TR" dirty="0" smtClean="0"/>
-              <a:t>Bahar 2022</a:t>
-            </a:r>
-            <a:endParaRPr lang="tr-TR" dirty="0"/>
+            <a:pPr algn="just"/>
+            <a:r>
+              <a:rPr lang="tr-TR" sz="2400" dirty="0"/>
+              <a:t>Bu bölümden sunumda bahsedilecek ana başlıklar listelenmelidir.</a:t>
+            </a:r>
+          </a:p>
+          <a:p>
+            <a:pPr algn="just"/>
+            <a:r>
+              <a:rPr lang="tr-TR" sz="2400" dirty="0"/>
+              <a:t>Bir sunum giriş, gelişme ve sonuç olacak şekilde bölümlendirilebilir.</a:t>
+            </a:r>
+          </a:p>
+          <a:p>
+            <a:pPr algn="just"/>
+            <a:r>
+              <a:rPr lang="tr-TR" sz="2400" dirty="0"/>
+              <a:t>Sunum içerisinde bahsedilen ana noktalar bu bölümde liste şeklinde verilmelidir. Her bir ana başlık sunum içerisindeki başlıklara karşılık gelmelidir. </a:t>
+            </a:r>
+          </a:p>
+          <a:p>
+            <a:pPr algn="just"/>
+            <a:r>
+              <a:rPr lang="tr-TR" sz="2400" dirty="0"/>
+              <a:t>Örneğin: </a:t>
+            </a:r>
+            <a:r>
+              <a:rPr lang="en-US" sz="2400" dirty="0"/>
+              <a:t>“</a:t>
+            </a:r>
+            <a:r>
+              <a:rPr lang="tr-TR" sz="2400" dirty="0"/>
+              <a:t>Etkinlik takvimi</a:t>
+            </a:r>
+            <a:r>
+              <a:rPr lang="en-US" sz="2400" dirty="0"/>
+              <a:t>” </a:t>
+            </a:r>
+            <a:r>
+              <a:rPr lang="tr-TR" sz="2400" dirty="0"/>
+              <a:t>içerikte geçiyorsa bu başlığa sahip bir sunum sayfası mutlaka olmalıdır. </a:t>
+            </a:r>
           </a:p>
         </p:txBody>
       </p:sp>
     </p:spTree>
     <p:extLst>
       <p:ext uri="{BB962C8B-B14F-4D97-AF65-F5344CB8AC3E}">
-        <p14:creationId xmlns:p14="http://schemas.microsoft.com/office/powerpoint/2010/main" val="4098131931"/>
+        <p14:creationId xmlns:p14="http://schemas.microsoft.com/office/powerpoint/2010/main" val="3981759241"/>
       </p:ext>
     </p:extLst>
   </p:cSld>
@@ -2444,7 +2490,7 @@
       </p:grpSpPr>
       <p:sp>
         <p:nvSpPr>
-          <p:cNvPr id="4" name="Title 3"/>
+          <p:cNvPr id="2" name="Title 1"/>
           <p:cNvSpPr>
             <a:spLocks noGrp="1"/>
           </p:cNvSpPr>
@@ -2454,95 +2500,135 @@
         </p:nvSpPr>
         <p:spPr>
           <a:xfrm>
-            <a:off x="838200" y="349083"/>
-            <a:ext cx="10515600" cy="1325563"/>
+            <a:off x="838200" y="513348"/>
+            <a:ext cx="10515600" cy="954504"/>
           </a:xfrm>
         </p:spPr>
         <p:txBody>
+          <a:bodyPr/>
+          <a:lstStyle/>
+          <a:p>
+            <a:r>
+              <a:rPr lang="tr-TR" dirty="0"/>
+              <a:t>İçerik</a:t>
+            </a:r>
+          </a:p>
+        </p:txBody>
+      </p:sp>
+      <p:sp>
+        <p:nvSpPr>
+          <p:cNvPr id="3" name="Content Placeholder 2"/>
+          <p:cNvSpPr>
+            <a:spLocks noGrp="1"/>
+          </p:cNvSpPr>
+          <p:nvPr>
+            <p:ph idx="1"/>
+          </p:nvPr>
+        </p:nvSpPr>
+        <p:spPr>
+          <a:xfrm>
+            <a:off x="838200" y="1580148"/>
+            <a:ext cx="10515600" cy="4646840"/>
+          </a:xfrm>
+        </p:spPr>
+        <p:txBody>
           <a:bodyPr>
-            <a:normAutofit/>
+            <a:normAutofit fontScale="92500" lnSpcReduction="10000"/>
           </a:bodyPr>
           <a:lstStyle/>
           <a:p>
             <a:r>
-              <a:rPr lang="tr-TR" dirty="0" smtClean="0"/>
-              <a:t>Bitirme Çalışması Sunum İçeriği </a:t>
-            </a:r>
+              <a:rPr lang="tr-TR" dirty="0"/>
+              <a:t>Konu ve Motivasyon</a:t>
+            </a:r>
+          </a:p>
+          <a:p>
+            <a:r>
+              <a:rPr lang="tr-TR" dirty="0"/>
+              <a:t>Yöntem</a:t>
+            </a:r>
+          </a:p>
+          <a:p>
+            <a:pPr lvl="1"/>
+            <a:r>
+              <a:rPr lang="tr-TR" dirty="0"/>
+              <a:t>Veri Analizi ve Makine Öğrenmesi</a:t>
+            </a:r>
+          </a:p>
+          <a:p>
+            <a:pPr lvl="1"/>
+            <a:r>
+              <a:rPr lang="tr-TR" dirty="0"/>
+              <a:t>Gerçek Zamanlı İşleme</a:t>
+            </a:r>
+          </a:p>
+          <a:p>
+            <a:pPr lvl="1"/>
+            <a:r>
+              <a:rPr lang="tr-TR" dirty="0"/>
+              <a:t>Kullanılan yazılımlar</a:t>
+            </a:r>
+          </a:p>
+          <a:p>
+            <a:r>
+              <a:rPr lang="tr-TR" dirty="0"/>
+              <a:t>Uygulama alanları</a:t>
+            </a:r>
+          </a:p>
+          <a:p>
+            <a:pPr lvl="1"/>
+            <a:r>
+              <a:rPr lang="tr-TR" dirty="0"/>
+              <a:t>Uygun sektörler</a:t>
+            </a:r>
+          </a:p>
+          <a:p>
+            <a:pPr lvl="1"/>
+            <a:r>
+              <a:rPr lang="tr-TR" dirty="0"/>
+              <a:t>Örnek uygulamalar</a:t>
+            </a:r>
+          </a:p>
+          <a:p>
+            <a:r>
+              <a:rPr lang="tr-TR" dirty="0"/>
+              <a:t>Sonuç</a:t>
+            </a:r>
+          </a:p>
+          <a:p>
+            <a:pPr lvl="1"/>
+            <a:r>
+              <a:rPr lang="tr-TR" dirty="0"/>
+              <a:t>Elde elilen çıktılar</a:t>
+            </a:r>
+          </a:p>
+          <a:p>
+            <a:pPr lvl="1"/>
+            <a:r>
+              <a:rPr lang="tr-TR" dirty="0"/>
+              <a:t>Eksik noktalar</a:t>
+            </a:r>
+          </a:p>
+          <a:p>
+            <a:pPr lvl="1"/>
+            <a:r>
+              <a:rPr lang="tr-TR" dirty="0"/>
+              <a:t>Eklenebilir özellikler</a:t>
+            </a:r>
+          </a:p>
+          <a:p>
+            <a:pPr lvl="1"/>
             <a:endParaRPr lang="tr-TR" dirty="0"/>
           </a:p>
-        </p:txBody>
-      </p:sp>
-      <p:sp>
-        <p:nvSpPr>
-          <p:cNvPr id="5" name="Content Placeholder 4"/>
-          <p:cNvSpPr>
-            <a:spLocks noGrp="1"/>
-          </p:cNvSpPr>
-          <p:nvPr>
-            <p:ph idx="1"/>
-          </p:nvPr>
-        </p:nvSpPr>
-        <p:spPr>
-          <a:xfrm>
-            <a:off x="838200" y="2053389"/>
-            <a:ext cx="10515600" cy="4173598"/>
-          </a:xfrm>
-        </p:spPr>
-        <p:txBody>
-          <a:bodyPr>
-            <a:normAutofit/>
-          </a:bodyPr>
-          <a:lstStyle/>
-          <a:p>
-            <a:pPr algn="just"/>
-            <a:r>
-              <a:rPr lang="tr-TR" sz="2400" dirty="0" smtClean="0"/>
-              <a:t>Bu bölümden sunumda bahsedilecek ana başlıklar listelenmelidir.</a:t>
-            </a:r>
-          </a:p>
-          <a:p>
-            <a:pPr algn="just"/>
-            <a:r>
-              <a:rPr lang="tr-TR" sz="2400" dirty="0" smtClean="0"/>
-              <a:t>Bir sunum giriş, gelişme ve sonuç olacak şekilde bölümlendirilebilir.</a:t>
-            </a:r>
-          </a:p>
-          <a:p>
-            <a:pPr algn="just"/>
-            <a:r>
-              <a:rPr lang="tr-TR" sz="2400" dirty="0" smtClean="0"/>
-              <a:t>Sunum içerisinde bahsedilen ana noktalar bu bölümde liste şeklinde verilmelidir. Her bir ana başlık sunum içerisindeki başlıklara karşılık gelmelidir. </a:t>
-            </a:r>
-          </a:p>
-          <a:p>
-            <a:pPr algn="just"/>
-            <a:r>
-              <a:rPr lang="tr-TR" sz="2400" dirty="0" smtClean="0"/>
-              <a:t>Örneğin: </a:t>
-            </a:r>
-            <a:r>
-              <a:rPr lang="en-US" sz="2400" dirty="0" smtClean="0"/>
-              <a:t>“</a:t>
-            </a:r>
-            <a:r>
-              <a:rPr lang="tr-TR" sz="2400" dirty="0" smtClean="0"/>
-              <a:t>Etkinlik takvimi</a:t>
-            </a:r>
-            <a:r>
-              <a:rPr lang="en-US" sz="2400" dirty="0" smtClean="0"/>
-              <a:t>” </a:t>
-            </a:r>
-            <a:r>
-              <a:rPr lang="tr-TR" sz="2400" dirty="0" smtClean="0"/>
-              <a:t>içerikte geçiyorsa bu başlığa sahip bir sunum sayfası mutlaka olmalıdır. </a:t>
-            </a:r>
+          <a:p>
+            <a:endParaRPr lang="tr-TR" dirty="0"/>
           </a:p>
         </p:txBody>
       </p:sp>
     </p:spTree>
     <p:extLst>
       <p:ext uri="{BB962C8B-B14F-4D97-AF65-F5344CB8AC3E}">
-        <p14:creationId xmlns:p14="http://schemas.microsoft.com/office/powerpoint/2010/main" val="3981759241"/>
+        <p14:creationId xmlns:p14="http://schemas.microsoft.com/office/powerpoint/2010/main" val="1699100037"/>
       </p:ext>
     </p:extLst>
   </p:cSld>
@@ -2581,8 +2667,8 @@
         </p:nvSpPr>
         <p:spPr>
           <a:xfrm>
-            <a:off x="838200" y="513348"/>
-            <a:ext cx="10515600" cy="954504"/>
+            <a:off x="838200" y="381167"/>
+            <a:ext cx="10351168" cy="1325563"/>
           </a:xfrm>
         </p:spPr>
         <p:txBody>
@@ -2590,10 +2676,9 @@
           <a:lstStyle/>
           <a:p>
             <a:r>
-              <a:rPr lang="tr-TR" dirty="0" smtClean="0"/>
-              <a:t>İçerik</a:t>
-            </a:r>
-            <a:endParaRPr lang="tr-TR" dirty="0"/>
+              <a:rPr lang="tr-TR" dirty="0"/>
+              <a:t>Bitirme Çalışması – Konu ve Motivasyon</a:t>
+            </a:r>
           </a:p>
         </p:txBody>
       </p:sp>
@@ -2607,109 +2692,39 @@
             <p:ph idx="1"/>
           </p:nvPr>
         </p:nvSpPr>
-        <p:spPr>
-          <a:xfrm>
-            <a:off x="838200" y="1580148"/>
-            <a:ext cx="10515600" cy="4646840"/>
-          </a:xfrm>
-        </p:spPr>
+        <p:spPr/>
         <p:txBody>
           <a:bodyPr>
-            <a:normAutofit fontScale="92500" lnSpcReduction="10000"/>
+            <a:normAutofit/>
           </a:bodyPr>
           <a:lstStyle/>
           <a:p>
-            <a:r>
-              <a:rPr lang="tr-TR" dirty="0" smtClean="0"/>
-              <a:t>Etkinlik önerme:</a:t>
-            </a:r>
-          </a:p>
-          <a:p>
-            <a:pPr lvl="1"/>
-            <a:r>
-              <a:rPr lang="tr-TR" dirty="0" smtClean="0"/>
-              <a:t>Etkinlik nedir?</a:t>
-            </a:r>
-          </a:p>
-          <a:p>
-            <a:pPr lvl="1"/>
-            <a:r>
-              <a:rPr lang="tr-TR" dirty="0" smtClean="0"/>
-              <a:t>Benzer etkinlik öneri sistemleri</a:t>
-            </a:r>
-            <a:endParaRPr lang="tr-TR" dirty="0" smtClean="0"/>
-          </a:p>
-          <a:p>
-            <a:r>
-              <a:rPr lang="tr-TR" dirty="0" smtClean="0"/>
-              <a:t>Mobil uygulama çözümü </a:t>
-            </a:r>
-          </a:p>
-          <a:p>
-            <a:pPr lvl="1"/>
-            <a:r>
-              <a:rPr lang="tr-TR" dirty="0" smtClean="0"/>
-              <a:t>Kullanılan yazılımlar</a:t>
-            </a:r>
-          </a:p>
-          <a:p>
-            <a:pPr lvl="1"/>
-            <a:r>
-              <a:rPr lang="tr-TR" dirty="0" smtClean="0"/>
-              <a:t>Verileri tutulması</a:t>
-            </a:r>
-          </a:p>
-          <a:p>
-            <a:pPr lvl="1"/>
-            <a:r>
-              <a:rPr lang="tr-TR" dirty="0" smtClean="0"/>
-              <a:t>Problemler ve çözümleri</a:t>
-            </a:r>
-            <a:endParaRPr lang="tr-TR" dirty="0" smtClean="0"/>
-          </a:p>
-          <a:p>
-            <a:r>
-              <a:rPr lang="tr-TR" dirty="0" smtClean="0"/>
-              <a:t>Kullanım alanları</a:t>
-            </a:r>
-          </a:p>
-          <a:p>
-            <a:pPr lvl="1"/>
-            <a:r>
-              <a:rPr lang="tr-TR" dirty="0" smtClean="0"/>
-              <a:t>Olası örnek durumlar</a:t>
-            </a:r>
-            <a:endParaRPr lang="tr-TR" dirty="0" smtClean="0"/>
-          </a:p>
-          <a:p>
-            <a:r>
-              <a:rPr lang="tr-TR" dirty="0" smtClean="0"/>
-              <a:t>Sonuç</a:t>
-            </a:r>
-          </a:p>
-          <a:p>
-            <a:pPr lvl="1"/>
-            <a:r>
-              <a:rPr lang="tr-TR" dirty="0" smtClean="0"/>
-              <a:t>Eksik noktalar</a:t>
-            </a:r>
-          </a:p>
-          <a:p>
-            <a:pPr lvl="1"/>
-            <a:r>
-              <a:rPr lang="tr-TR" dirty="0" smtClean="0"/>
-              <a:t>Yapılması gerekenler</a:t>
-            </a:r>
-          </a:p>
-          <a:p>
-            <a:endParaRPr lang="tr-TR" dirty="0"/>
+            <a:pPr algn="just"/>
+            <a:r>
+              <a:rPr lang="tr-TR" dirty="0"/>
+              <a:t>Projenin konusu genel olarak, gerçek zamanlı olarak oda koşullarının analiz edilmesi, tahminlemeler yapılması ve kullanıcılara bilgi verilmesidir.</a:t>
+            </a:r>
+          </a:p>
+          <a:p>
+            <a:pPr algn="just"/>
+            <a:r>
+              <a:rPr lang="tr-TR" dirty="0"/>
+              <a:t>Proje, çeşitli açık kaynaklı araçların birleştirilmesinden oluşur; bu da birden fazla veri kaynağının analiz edilmesini ve hızlı bir şekilde işlenmesini mümkün kılarak daha iyi sonuçlar elde edilmesine yardımcı olur. </a:t>
+            </a:r>
+          </a:p>
+          <a:p>
+            <a:pPr algn="just"/>
+            <a:r>
+              <a:rPr lang="tr-TR" dirty="0"/>
+              <a:t>Bu sepeple proje yenilikçi bir yaklaşım benimsemektedir. Bu yaklaşım, enerji tasarrufu gibi birçok potansiyel fayda sağlayabilir.</a:t>
+            </a:r>
           </a:p>
         </p:txBody>
       </p:sp>
     </p:spTree>
     <p:extLst>
       <p:ext uri="{BB962C8B-B14F-4D97-AF65-F5344CB8AC3E}">
-        <p14:creationId xmlns:p14="http://schemas.microsoft.com/office/powerpoint/2010/main" val="1699100037"/>
+        <p14:creationId xmlns:p14="http://schemas.microsoft.com/office/powerpoint/2010/main" val="2242311694"/>
       </p:ext>
     </p:extLst>
   </p:cSld>
@@ -2746,35 +2761,34 @@
             <p:ph type="title"/>
           </p:nvPr>
         </p:nvSpPr>
+        <p:spPr/>
+        <p:txBody>
+          <a:bodyPr/>
+          <a:lstStyle/>
+          <a:p>
+            <a:r>
+              <a:rPr lang="tr-TR" dirty="0"/>
+              <a:t>Bitirme Çalışması - Yöntem</a:t>
+            </a:r>
+          </a:p>
+        </p:txBody>
+      </p:sp>
+      <p:sp>
+        <p:nvSpPr>
+          <p:cNvPr id="3" name="Content Placeholder 2"/>
+          <p:cNvSpPr>
+            <a:spLocks noGrp="1"/>
+          </p:cNvSpPr>
+          <p:nvPr>
+            <p:ph idx="1"/>
+          </p:nvPr>
+        </p:nvSpPr>
         <p:spPr>
           <a:xfrm>
-            <a:off x="838200" y="381167"/>
-            <a:ext cx="10351168" cy="1325563"/>
+            <a:off x="838199" y="1825624"/>
+            <a:ext cx="10576891" cy="4535419"/>
           </a:xfrm>
         </p:spPr>
-        <p:txBody>
-          <a:bodyPr/>
-          <a:lstStyle/>
-          <a:p>
-            <a:r>
-              <a:rPr lang="tr-TR" dirty="0" smtClean="0"/>
-              <a:t>Bitirme Çalışması – Konu ve Motivasyon</a:t>
-            </a:r>
-            <a:endParaRPr lang="tr-TR" dirty="0"/>
-          </a:p>
-        </p:txBody>
-      </p:sp>
-      <p:sp>
-        <p:nvSpPr>
-          <p:cNvPr id="3" name="Content Placeholder 2"/>
-          <p:cNvSpPr>
-            <a:spLocks noGrp="1"/>
-          </p:cNvSpPr>
-          <p:nvPr>
-            <p:ph idx="1"/>
-          </p:nvPr>
-        </p:nvSpPr>
-        <p:spPr/>
         <p:txBody>
           <a:bodyPr>
             <a:normAutofit lnSpcReduction="10000"/>
@@ -2783,31 +2797,30 @@
           <a:p>
             <a:pPr algn="just"/>
             <a:r>
-              <a:rPr lang="tr-TR" dirty="0" smtClean="0"/>
-              <a:t>Sunum içeriğinde konu ile ilgili bilgiler verilmelidir. Konu detaylı bir şekilde açıklanmalıdır.</a:t>
+              <a:rPr lang="tr-TR" dirty="0"/>
+              <a:t>Python ile üretilen veriler, Elasticsearch’te saklanır ve Kibana aracılığıyla gerçek zamanlı olarak görselleştirilir. Bu teknolojilerin tercih edilmesinde, performansları ve birbirileri ile olan uyumları etkili olmuştur.</a:t>
             </a:r>
           </a:p>
           <a:p>
             <a:pPr algn="just"/>
             <a:r>
-              <a:rPr lang="tr-TR" dirty="0" smtClean="0"/>
-              <a:t>Bitirme çalışmasında mobil bir program yazıldıysa bu programın hangi problemler için yazıldığı, getirdiği çözümün kullanım alanları, son kullanıcı için getirdiği yenilik yada kolaylıklar, fayda ve maliyet bakımından katkısı, teknolojik yenilik açısından katkısı, ve çeşitli motivasyonlar sunumun giriş kısmında belirtilmelidir.</a:t>
+              <a:rPr lang="tr-TR" dirty="0"/>
+              <a:t>Kafka, simüle edilen verilerin gerçek zamanlı aktarımının yapılmasında kullanılırken, Spark ise verilerin hızlı bir şekilde işlenmesine ve tahminleme yapılmasına olanak tanır. Bu teknolojiler gerçek zamanlı işleme alanında en çok kullanılan teknolojilerdir.</a:t>
             </a:r>
           </a:p>
           <a:p>
             <a:pPr algn="just"/>
             <a:r>
-              <a:rPr lang="tr-TR" dirty="0" smtClean="0"/>
-              <a:t>Örneğin: Mobil etkinlik takvimi kullanıcıların şehirdeki tüm etkinliklerden anında haberdar olabildiği bir platformdur. Etkinlik takibi hem bu platform üzerinden yapılabilmektedir. Hem de kullanılara ilgili oldukları alanlarda etkinlik önerisi yapılabilmektedir.  </a:t>
-            </a:r>
-            <a:endParaRPr lang="tr-TR" dirty="0"/>
+              <a:rPr lang="tr-TR" dirty="0"/>
+              <a:t>Veri analizi için çeşitli istatiktiksel metotlar kullanıldıktan sonra  Makine öğrenmesi için çeşitli modeller denenmiş ve sonunda Random Forest veri üzerindeki başarısı sebebiyle tercih edilmiştir.</a:t>
+            </a:r>
           </a:p>
         </p:txBody>
       </p:sp>
     </p:spTree>
     <p:extLst>
       <p:ext uri="{BB962C8B-B14F-4D97-AF65-F5344CB8AC3E}">
-        <p14:creationId xmlns:p14="http://schemas.microsoft.com/office/powerpoint/2010/main" val="2242311694"/>
+        <p14:creationId xmlns:p14="http://schemas.microsoft.com/office/powerpoint/2010/main" val="1818129251"/>
       </p:ext>
     </p:extLst>
   </p:cSld>
@@ -2850,10 +2863,9 @@
           <a:lstStyle/>
           <a:p>
             <a:r>
-              <a:rPr lang="tr-TR" dirty="0" smtClean="0"/>
+              <a:rPr lang="tr-TR" dirty="0"/>
               <a:t>Bitirme Çalışması - Yöntem</a:t>
             </a:r>
-            <a:endParaRPr lang="tr-TR" dirty="0"/>
           </a:p>
         </p:txBody>
       </p:sp>
@@ -2867,37 +2879,47 @@
             <p:ph idx="1"/>
           </p:nvPr>
         </p:nvSpPr>
-        <p:spPr/>
-        <p:txBody>
-          <a:bodyPr/>
+        <p:spPr>
+          <a:xfrm>
+            <a:off x="838200" y="1690688"/>
+            <a:ext cx="10576891" cy="4535419"/>
+          </a:xfrm>
+        </p:spPr>
+        <p:txBody>
+          <a:bodyPr>
+            <a:normAutofit/>
+          </a:bodyPr>
           <a:lstStyle/>
           <a:p>
             <a:pPr algn="just"/>
             <a:r>
-              <a:rPr lang="tr-TR" dirty="0" smtClean="0"/>
-              <a:t>Kullanılan algoritma veya çözüme ilişkin girdi, çıktı ve ara süreçleri kapsayan bir analiz yöntem kısmında verilmelidir.</a:t>
+              <a:rPr lang="tr-TR" dirty="0"/>
+              <a:t>Alarm mekanızmasının oluşturulmasında ise Slack kullanılmıştır. Bu bildirimlerin tek bir organizasyon üzerinde tutulması açısından faydalı olmuştur.</a:t>
             </a:r>
           </a:p>
           <a:p>
             <a:pPr algn="just"/>
             <a:r>
-              <a:rPr lang="tr-TR" dirty="0" smtClean="0"/>
-              <a:t>Eğer kullanıcı, yazılımcı bu ara süreçlerde bir rol alıyorsa bunlardan da bahsedilmelidir.</a:t>
+              <a:rPr lang="tr-TR" dirty="0"/>
+              <a:t>Projenin geliştirilmesi ve dağıtımında ise Docker tercih edilmiştir. </a:t>
             </a:r>
           </a:p>
           <a:p>
             <a:pPr algn="just"/>
             <a:r>
-              <a:rPr lang="tr-TR" dirty="0" smtClean="0"/>
-              <a:t>Yöntemden bahsedilirken kullanılan teknolojiler en son anlatılmalı ve hangi aşamada hangi teknoloji kullanılarak bir çözüm üretildiğinden bahsedilmelidir.</a:t>
+              <a:rPr lang="tr-TR" dirty="0"/>
+              <a:t>Projenin farklı aşamalarında kullanılan farklı bileşenlerin birbiriyle uyumlu olması ve doğru şekilde çalışması önemli olduğundan Docker, bu sorunu çözmek en önemli araçlardan birisidir.</a:t>
             </a:r>
           </a:p>
           <a:p>
             <a:pPr algn="just"/>
             <a:r>
-              <a:rPr lang="tr-TR" dirty="0" smtClean="0"/>
-              <a:t>Yöntemde kullanılan teknolojilerin yada algoritmaların ne gibi bir fayda sağladığı, çözümü ne kadar kolaylaştırdıkları, maliyet ve süreç açısından kolaylığı ele alınmalıdır.</a:t>
-            </a:r>
+              <a:rPr lang="tr-TR" dirty="0"/>
+              <a:t>Genel olarak çalışmanın yöntemi, IoT sensör verilerinin simüle edilmesi; bu verilerin depolanması, işlenmesi ve analiz edilmesi için bir dizi açık kaynaklı araç ve teknolojinin birleştirilmesini içerir. </a:t>
+            </a:r>
+          </a:p>
+          <a:p>
+            <a:pPr algn="just"/>
             <a:endParaRPr lang="tr-TR" dirty="0"/>
           </a:p>
         </p:txBody>
@@ -2905,7 +2927,7 @@
     </p:spTree>
     <p:extLst>
       <p:ext uri="{BB962C8B-B14F-4D97-AF65-F5344CB8AC3E}">
-        <p14:creationId xmlns:p14="http://schemas.microsoft.com/office/powerpoint/2010/main" val="1818129251"/>
+        <p14:creationId xmlns:p14="http://schemas.microsoft.com/office/powerpoint/2010/main" val="4202125975"/>
       </p:ext>
     </p:extLst>
   </p:cSld>
@@ -2948,10 +2970,112 @@
           <a:lstStyle/>
           <a:p>
             <a:r>
-              <a:rPr lang="tr-TR" dirty="0" smtClean="0"/>
+              <a:rPr lang="tr-TR" dirty="0"/>
+              <a:t>Bitirme Çalışması – Uygulama Alanları</a:t>
+            </a:r>
+          </a:p>
+        </p:txBody>
+      </p:sp>
+      <p:sp>
+        <p:nvSpPr>
+          <p:cNvPr id="3" name="Content Placeholder 2"/>
+          <p:cNvSpPr>
+            <a:spLocks noGrp="1"/>
+          </p:cNvSpPr>
+          <p:nvPr>
+            <p:ph idx="1"/>
+          </p:nvPr>
+        </p:nvSpPr>
+        <p:spPr>
+          <a:xfrm>
+            <a:off x="838200" y="1690688"/>
+            <a:ext cx="10576891" cy="4535419"/>
+          </a:xfrm>
+        </p:spPr>
+        <p:txBody>
+          <a:bodyPr>
+            <a:normAutofit/>
+          </a:bodyPr>
+          <a:lstStyle/>
+          <a:p>
+            <a:pPr algn="just"/>
+            <a:r>
+              <a:rPr lang="tr-TR" dirty="0"/>
+              <a:t>Bu çalışmanın uygulama alanı oldukça geniştir. </a:t>
+            </a:r>
+          </a:p>
+          <a:p>
+            <a:pPr algn="just"/>
+            <a:r>
+              <a:rPr lang="tr-TR" dirty="0"/>
+              <a:t>IoT teknolojisi ile birlikte, çeşitli endüstriyel, ticari ve ev tipi cihazlardan veri toplanabilmektedir. </a:t>
+            </a:r>
+          </a:p>
+          <a:p>
+            <a:pPr algn="just"/>
+            <a:r>
+              <a:rPr lang="tr-TR" dirty="0"/>
+              <a:t>Bu veriler, analiz edilerek daha doğru sonuçlar elde edilebilir bu sayede, enerji tasarrufu, maliyet azaltımı, daha verimli işletmeler ve daha konforlu yaşam alanları gibi birçok alanda faydalar sağlanabilir.</a:t>
+            </a:r>
+          </a:p>
+          <a:p>
+            <a:pPr algn="just"/>
+            <a:r>
+              <a:rPr lang="tr-TR" dirty="0"/>
+              <a:t>Otomasyon Sistemleri, Güvenlik Sistemleri, Sağlık Sektörü gibi çeşitli uygulama alanları örnek verilebilir.</a:t>
+            </a:r>
+          </a:p>
+        </p:txBody>
+      </p:sp>
+    </p:spTree>
+    <p:extLst>
+      <p:ext uri="{BB962C8B-B14F-4D97-AF65-F5344CB8AC3E}">
+        <p14:creationId xmlns:p14="http://schemas.microsoft.com/office/powerpoint/2010/main" val="1511654569"/>
+      </p:ext>
+    </p:extLst>
+  </p:cSld>
+  <p:clrMapOvr>
+    <a:masterClrMapping/>
+  </p:clrMapOvr>
+</p:sld>
+</file>
+
+<file path=ppt/slides/slide8.xml><?xml version="1.0" encoding="utf-8"?>
+<p:sld xmlns:a="http://schemas.openxmlformats.org/drawingml/2006/main" xmlns:r="http://schemas.openxmlformats.org/officeDocument/2006/relationships" xmlns:p="http://schemas.openxmlformats.org/presentationml/2006/main">
+  <p:cSld>
+    <p:spTree>
+      <p:nvGrpSpPr>
+        <p:cNvPr id="1" name=""/>
+        <p:cNvGrpSpPr/>
+        <p:nvPr/>
+      </p:nvGrpSpPr>
+      <p:grpSpPr>
+        <a:xfrm>
+          <a:off x="0" y="0"/>
+          <a:ext cx="0" cy="0"/>
+          <a:chOff x="0" y="0"/>
+          <a:chExt cx="0" cy="0"/>
+        </a:xfrm>
+      </p:grpSpPr>
+      <p:sp>
+        <p:nvSpPr>
+          <p:cNvPr id="2" name="Title 1"/>
+          <p:cNvSpPr>
+            <a:spLocks noGrp="1"/>
+          </p:cNvSpPr>
+          <p:nvPr>
+            <p:ph type="title"/>
+          </p:nvPr>
+        </p:nvSpPr>
+        <p:spPr/>
+        <p:txBody>
+          <a:bodyPr/>
+          <a:lstStyle/>
+          <a:p>
+            <a:r>
+              <a:rPr lang="tr-TR" dirty="0"/>
               <a:t>Bitirme Çalışması - Sonuç</a:t>
             </a:r>
-            <a:endParaRPr lang="tr-TR" dirty="0"/>
           </a:p>
         </p:txBody>
       </p:sp>
@@ -2965,7 +3089,12 @@
             <p:ph idx="1"/>
           </p:nvPr>
         </p:nvSpPr>
-        <p:spPr/>
+        <p:spPr>
+          <a:xfrm>
+            <a:off x="838200" y="1690688"/>
+            <a:ext cx="10515600" cy="4401363"/>
+          </a:xfrm>
+        </p:spPr>
         <p:txBody>
           <a:bodyPr>
             <a:normAutofit lnSpcReduction="10000"/>
@@ -2974,32 +3103,30 @@
           <a:p>
             <a:pPr algn="just"/>
             <a:r>
-              <a:rPr lang="tr-TR" dirty="0" smtClean="0"/>
-              <a:t>Bitirme çalışması sunumunda karşılaşılan güçlüklere ilişlkin son yorumların yer aldığı, yapılan çalışma, geliştirilen yöntem ve yazılıma ilişkin yorumları barındıran sonuç kısmı yer alır. </a:t>
+              <a:rPr lang="tr-TR" dirty="0"/>
+              <a:t>Sonuç olarak çalışmada; açık kaynaklı araçlar ve Makine öğrenimi algoritmalarının kullanımı, odadaki insan varlığının anlık olarak tespit edilmesi gibi ilgili birçok uygulama için potansiyel sağlar. </a:t>
             </a:r>
           </a:p>
           <a:p>
             <a:pPr algn="just"/>
-            <a:endParaRPr lang="tr-TR" dirty="0"/>
+            <a:r>
+              <a:rPr lang="tr-TR" dirty="0"/>
+              <a:t>Ayrıca, projenin ilerleyen aşamalarda enerji tasarrufu gibi birçok potansiyel fayda sağlaması da beklenmektedir. </a:t>
+            </a:r>
           </a:p>
           <a:p>
             <a:pPr algn="just"/>
             <a:r>
-              <a:rPr lang="tr-TR" dirty="0" smtClean="0"/>
-              <a:t>Bitirme çalışmasında yöntemin çözemediği durumlar, yada yazılımın eksik yanları sonuç kısmında tartışılmalıdır.</a:t>
+              <a:rPr lang="tr-TR" dirty="0"/>
+              <a:t>Çalışmanın orta ve uzun vadede en büyük sorununun, toplanan verilerin doğruluğu ve model performansları olduğunu çıkarımı yapılmıştır. </a:t>
             </a:r>
           </a:p>
           <a:p>
             <a:pPr algn="just"/>
-            <a:endParaRPr lang="tr-TR" dirty="0"/>
-          </a:p>
-          <a:p>
-            <a:pPr algn="just"/>
-            <a:r>
-              <a:rPr lang="tr-TR" dirty="0" smtClean="0"/>
-              <a:t>Örneğin konu mobil harita uygulaması için bu uygulamanın sürekli internete bağlı çalışması gerektiği bir eksiklik ise bundan bahsedilmelidir.</a:t>
-            </a:r>
-            <a:endParaRPr lang="tr-TR" dirty="0"/>
+            <a:r>
+              <a:rPr lang="tr-TR" dirty="0"/>
+              <a:t>Ek olarak ilerleyen dönemlerde, model eğitiminin de gerçek zamanlı olarak gerçekleştirildiği bir durumda, kaynak ihtiyacının çok fazla artması beklenmektedir.</a:t>
+            </a:r>
           </a:p>
         </p:txBody>
       </p:sp>
